--- a/docs/LSTM DNA.pptx
+++ b/docs/LSTM DNA.pptx
@@ -724,10 +724,10 @@
     <pc:chgData name="Lin, Yu-Cheng" userId="8bd46f03-9ea9-4689-9d4e-e7879c0f51e7" providerId="ADAL" clId="{7E8924F7-D6BA-45FF-86AB-8BA7FD1A5500}"/>
   </pc:docChgLst>
   <pc:docChgLst>
-    <pc:chgData name="Lin, Yu-Cheng" userId="8bd46f03-9ea9-4689-9d4e-e7879c0f51e7" providerId="ADAL" clId="{6E83C24F-C97C-413F-A3F8-F844C2629F2A}"/>
+    <pc:chgData name="Yu-Cheng Lin" userId="2281cbc768c9b62e" providerId="LiveId" clId="{2E6CE86C-628F-42B3-8B5E-8E4F6A65CD74}"/>
   </pc:docChgLst>
   <pc:docChgLst>
-    <pc:chgData name="Yu-Cheng Lin" userId="2281cbc768c9b62e" providerId="LiveId" clId="{2E6CE86C-628F-42B3-8B5E-8E4F6A65CD74}"/>
+    <pc:chgData name="Lin, Yu-Cheng" userId="8bd46f03-9ea9-4689-9d4e-e7879c0f51e7" providerId="ADAL" clId="{6E83C24F-C97C-413F-A3F8-F844C2629F2A}"/>
   </pc:docChgLst>
   <pc:docChgLst>
     <pc:chgData name="Lin, Yu-Cheng" userId="8bd46f03-9ea9-4689-9d4e-e7879c0f51e7" providerId="ADAL" clId="{49723EAC-8EF0-2946-9069-1037CF846B15}"/>
@@ -1243,7 +1243,7 @@
           <a:p>
             <a:fld id="{28283938-A3C9-4716-B5D1-8DB05E72BE0D}" type="datetimeFigureOut">
               <a:rPr lang="en-US" smtClean="0"/>
-              <a:t>5/21/2020</a:t>
+              <a:t>5/23/2020</a:t>
             </a:fld>
             <a:endParaRPr lang="en-US"/>
           </a:p>
@@ -1657,7 +1657,7 @@
           <a:p>
             <a:fld id="{A344B845-712B-4016-A40B-6B8ADDD65C06}" type="datetime1">
               <a:rPr lang="en-US" smtClean="0"/>
-              <a:t>5/21/2020</a:t>
+              <a:t>5/23/2020</a:t>
             </a:fld>
             <a:endParaRPr lang="en-US"/>
           </a:p>
@@ -1773,7 +1773,7 @@
           <a:p>
             <a:fld id="{90EDD695-8D26-403A-B676-0596CF9DC3DB}" type="datetime1">
               <a:rPr lang="en-US" smtClean="0"/>
-              <a:t>5/21/2020</a:t>
+              <a:t>5/23/2020</a:t>
             </a:fld>
             <a:endParaRPr lang="en-US"/>
           </a:p>
@@ -6143,7 +6143,7 @@
           <a:p>
             <a:fld id="{90EDD695-8D26-403A-B676-0596CF9DC3DB}" type="datetime1">
               <a:rPr lang="en-US" smtClean="0"/>
-              <a:t>5/21/2020</a:t>
+              <a:t>5/23/2020</a:t>
             </a:fld>
             <a:endParaRPr lang="en-US"/>
           </a:p>
@@ -6264,7 +6264,7 @@
           <a:p>
             <a:fld id="{90EDD695-8D26-403A-B676-0596CF9DC3DB}" type="datetime1">
               <a:rPr lang="en-US" smtClean="0"/>
-              <a:t>5/21/2020</a:t>
+              <a:t>5/23/2020</a:t>
             </a:fld>
             <a:endParaRPr lang="en-US"/>
           </a:p>
@@ -10749,7 +10749,7 @@
           <a:p>
             <a:fld id="{A344B845-712B-4016-A40B-6B8ADDD65C06}" type="datetime1">
               <a:rPr lang="en-US" smtClean="0"/>
-              <a:t>5/21/2020</a:t>
+              <a:t>5/23/2020</a:t>
             </a:fld>
             <a:endParaRPr lang="en-US"/>
           </a:p>
@@ -11001,7 +11001,7 @@
           <a:p>
             <a:fld id="{120FCFA9-5D0C-4A57-AEA2-877C6B19B0FF}" type="datetime1">
               <a:rPr lang="en-US" smtClean="0"/>
-              <a:t>5/21/2020</a:t>
+              <a:t>5/23/2020</a:t>
             </a:fld>
             <a:endParaRPr lang="en-US"/>
           </a:p>
@@ -11258,7 +11258,7 @@
           <a:p>
             <a:fld id="{120FCFA9-5D0C-4A57-AEA2-877C6B19B0FF}" type="datetime1">
               <a:rPr lang="en-US" smtClean="0"/>
-              <a:t>5/21/2020</a:t>
+              <a:t>5/23/2020</a:t>
             </a:fld>
             <a:endParaRPr lang="en-US"/>
           </a:p>
@@ -15782,7 +15782,7 @@
           <a:p>
             <a:fld id="{120FCFA9-5D0C-4A57-AEA2-877C6B19B0FF}" type="datetime1">
               <a:rPr lang="en-US" smtClean="0"/>
-              <a:t>5/21/2020</a:t>
+              <a:t>5/23/2020</a:t>
             </a:fld>
             <a:endParaRPr lang="en-US"/>
           </a:p>
@@ -15926,7 +15926,7 @@
           <a:p>
             <a:fld id="{9D1C2742-C96A-4945-951E-81988098A73C}" type="datetime1">
               <a:rPr lang="en-US" smtClean="0"/>
-              <a:t>5/21/2020</a:t>
+              <a:t>5/23/2020</a:t>
             </a:fld>
             <a:endParaRPr lang="en-US"/>
           </a:p>
@@ -20332,7 +20332,7 @@
           <a:p>
             <a:fld id="{9D1C2742-C96A-4945-951E-81988098A73C}" type="datetime1">
               <a:rPr lang="en-US" smtClean="0"/>
-              <a:t>5/21/2020</a:t>
+              <a:t>5/23/2020</a:t>
             </a:fld>
             <a:endParaRPr lang="en-US"/>
           </a:p>
@@ -20486,7 +20486,7 @@
           <a:p>
             <a:fld id="{9D1C2742-C96A-4945-951E-81988098A73C}" type="datetime1">
               <a:rPr lang="en-US" smtClean="0"/>
-              <a:t>5/21/2020</a:t>
+              <a:t>5/23/2020</a:t>
             </a:fld>
             <a:endParaRPr lang="en-US"/>
           </a:p>
@@ -20687,7 +20687,7 @@
           <a:p>
             <a:fld id="{9D1C2742-C96A-4945-951E-81988098A73C}" type="datetime1">
               <a:rPr lang="en-US" smtClean="0"/>
-              <a:t>5/21/2020</a:t>
+              <a:t>5/23/2020</a:t>
             </a:fld>
             <a:endParaRPr lang="en-US"/>
           </a:p>
@@ -20931,7 +20931,7 @@
           <a:p>
             <a:fld id="{157FAC05-0AE7-455A-AA7D-87AC040111FE}" type="datetime1">
               <a:rPr lang="en-US" smtClean="0"/>
-              <a:t>5/21/2020</a:t>
+              <a:t>5/23/2020</a:t>
             </a:fld>
             <a:endParaRPr lang="en-US"/>
           </a:p>
@@ -21371,9 +21371,14 @@
             <p:ph type="ctrTitle"/>
           </p:nvPr>
         </p:nvSpPr>
-        <p:spPr/>
+        <p:spPr>
+          <a:xfrm>
+            <a:off x="1524000" y="2235200"/>
+            <a:ext cx="9144000" cy="2387600"/>
+          </a:xfrm>
+        </p:spPr>
         <p:txBody>
-          <a:bodyPr>
+          <a:bodyPr anchor="ctr">
             <a:normAutofit/>
           </a:bodyPr>
           <a:lstStyle/>
@@ -21415,7 +21420,12 @@
             <p:ph type="subTitle" idx="1"/>
           </p:nvPr>
         </p:nvSpPr>
-        <p:spPr/>
+        <p:spPr>
+          <a:xfrm>
+            <a:off x="1524000" y="4622800"/>
+            <a:ext cx="9144000" cy="1655762"/>
+          </a:xfrm>
+        </p:spPr>
         <p:txBody>
           <a:bodyPr/>
           <a:lstStyle/>
